--- a/Applied Data Science - Logistic Regression.pptx
+++ b/Applied Data Science - Logistic Regression.pptx
@@ -5,16 +5,17 @@
     <p:sldMasterId id="2147483833" r:id="rId1"/>
   </p:sldMasterIdLst>
   <p:notesMasterIdLst>
-    <p:notesMasterId r:id="rId9"/>
+    <p:notesMasterId r:id="rId10"/>
   </p:notesMasterIdLst>
   <p:sldIdLst>
     <p:sldId id="256" r:id="rId2"/>
-    <p:sldId id="419" r:id="rId3"/>
+    <p:sldId id="423" r:id="rId3"/>
     <p:sldId id="400" r:id="rId4"/>
     <p:sldId id="420" r:id="rId5"/>
     <p:sldId id="421" r:id="rId6"/>
     <p:sldId id="422" r:id="rId7"/>
-    <p:sldId id="404" r:id="rId8"/>
+    <p:sldId id="424" r:id="rId8"/>
+    <p:sldId id="425" r:id="rId9"/>
   </p:sldIdLst>
   <p:sldSz cx="12192000" cy="6858000"/>
   <p:notesSz cx="6858000" cy="9144000"/>
@@ -203,7 +204,7 @@
           <a:p>
             <a:fld id="{F1D2C95C-E6C5-47EE-A945-EBB416EE6C3F}" type="datetimeFigureOut">
               <a:rPr lang="en-US" smtClean="0"/>
-              <a:t>4/5/2017</a:t>
+              <a:t>5/2/2017</a:t>
             </a:fld>
             <a:endParaRPr lang="en-US"/>
           </a:p>
@@ -719,7 +720,7 @@
           <a:p>
             <a:fld id="{BF4D7DE9-04F8-4F0B-A692-02FE1DAE9F6D}" type="datetimeFigureOut">
               <a:rPr lang="en-US" smtClean="0"/>
-              <a:t>4/5/2017</a:t>
+              <a:t>5/2/2017</a:t>
             </a:fld>
             <a:endParaRPr lang="en-US"/>
           </a:p>
@@ -984,7 +985,7 @@
           <a:p>
             <a:fld id="{BF4D7DE9-04F8-4F0B-A692-02FE1DAE9F6D}" type="datetimeFigureOut">
               <a:rPr lang="en-US" smtClean="0"/>
-              <a:t>4/5/2017</a:t>
+              <a:t>5/2/2017</a:t>
             </a:fld>
             <a:endParaRPr lang="en-US"/>
           </a:p>
@@ -1171,7 +1172,7 @@
           <a:p>
             <a:fld id="{BF4D7DE9-04F8-4F0B-A692-02FE1DAE9F6D}" type="datetimeFigureOut">
               <a:rPr lang="en-US" smtClean="0"/>
-              <a:t>4/5/2017</a:t>
+              <a:t>5/2/2017</a:t>
             </a:fld>
             <a:endParaRPr lang="en-US"/>
           </a:p>
@@ -1409,7 +1410,7 @@
           <a:p>
             <a:fld id="{BF4D7DE9-04F8-4F0B-A692-02FE1DAE9F6D}" type="datetimeFigureOut">
               <a:rPr lang="en-US" smtClean="0"/>
-              <a:t>4/5/2017</a:t>
+              <a:t>5/2/2017</a:t>
             </a:fld>
             <a:endParaRPr lang="en-US"/>
           </a:p>
@@ -1673,7 +1674,7 @@
           <a:p>
             <a:fld id="{BF4D7DE9-04F8-4F0B-A692-02FE1DAE9F6D}" type="datetimeFigureOut">
               <a:rPr lang="en-US" smtClean="0"/>
-              <a:t>4/5/2017</a:t>
+              <a:t>5/2/2017</a:t>
             </a:fld>
             <a:endParaRPr lang="en-US"/>
           </a:p>
@@ -2052,7 +2053,7 @@
           <a:p>
             <a:fld id="{BF4D7DE9-04F8-4F0B-A692-02FE1DAE9F6D}" type="datetimeFigureOut">
               <a:rPr lang="en-US" smtClean="0"/>
-              <a:t>4/5/2017</a:t>
+              <a:t>5/2/2017</a:t>
             </a:fld>
             <a:endParaRPr lang="en-US"/>
           </a:p>
@@ -2509,7 +2510,7 @@
           <a:p>
             <a:fld id="{BF4D7DE9-04F8-4F0B-A692-02FE1DAE9F6D}" type="datetimeFigureOut">
               <a:rPr lang="en-US" smtClean="0"/>
-              <a:t>4/5/2017</a:t>
+              <a:t>5/2/2017</a:t>
             </a:fld>
             <a:endParaRPr lang="en-US"/>
           </a:p>
@@ -2634,7 +2635,7 @@
           <a:p>
             <a:fld id="{BF4D7DE9-04F8-4F0B-A692-02FE1DAE9F6D}" type="datetimeFigureOut">
               <a:rPr lang="en-US" smtClean="0"/>
-              <a:t>4/5/2017</a:t>
+              <a:t>5/2/2017</a:t>
             </a:fld>
             <a:endParaRPr lang="en-US"/>
           </a:p>
@@ -2736,7 +2737,7 @@
           <a:p>
             <a:fld id="{BF4D7DE9-04F8-4F0B-A692-02FE1DAE9F6D}" type="datetimeFigureOut">
               <a:rPr lang="en-US" smtClean="0"/>
-              <a:t>4/5/2017</a:t>
+              <a:t>5/2/2017</a:t>
             </a:fld>
             <a:endParaRPr lang="en-US"/>
           </a:p>
@@ -3121,7 +3122,7 @@
           <a:p>
             <a:fld id="{BF4D7DE9-04F8-4F0B-A692-02FE1DAE9F6D}" type="datetimeFigureOut">
               <a:rPr lang="en-US" smtClean="0"/>
-              <a:t>4/5/2017</a:t>
+              <a:t>5/2/2017</a:t>
             </a:fld>
             <a:endParaRPr lang="en-US"/>
           </a:p>
@@ -3413,7 +3414,7 @@
           <a:p>
             <a:fld id="{BF4D7DE9-04F8-4F0B-A692-02FE1DAE9F6D}" type="datetimeFigureOut">
               <a:rPr lang="en-US" smtClean="0"/>
-              <a:t>4/5/2017</a:t>
+              <a:t>5/2/2017</a:t>
             </a:fld>
             <a:endParaRPr lang="en-US"/>
           </a:p>
@@ -3670,7 +3671,7 @@
           <a:p>
             <a:fld id="{BF4D7DE9-04F8-4F0B-A692-02FE1DAE9F6D}" type="datetimeFigureOut">
               <a:rPr lang="en-US" smtClean="0"/>
-              <a:t>4/5/2017</a:t>
+              <a:t>5/2/2017</a:t>
             </a:fld>
             <a:endParaRPr lang="en-US"/>
           </a:p>
@@ -4327,7 +4328,7 @@
           <a:p>
             <a:r>
               <a:rPr lang="en-US" dirty="0" smtClean="0"/>
-              <a:t>Homework</a:t>
+              <a:t>Refresher</a:t>
             </a:r>
             <a:endParaRPr lang="he-IL" dirty="0"/>
           </a:p>
@@ -4345,26 +4346,16 @@
         </p:nvSpPr>
         <p:spPr/>
         <p:txBody>
-          <a:bodyPr>
-            <a:normAutofit/>
-          </a:bodyPr>
-          <a:lstStyle/>
-          <a:p>
-            <a:pPr marL="457200" indent="-457200">
-              <a:buFont typeface="+mj-lt"/>
-              <a:buAutoNum type="arabicPeriod"/>
-            </a:pPr>
+          <a:bodyPr/>
+          <a:lstStyle/>
+          <a:p>
             <a:r>
               <a:rPr lang="en-US" dirty="0" smtClean="0"/>
-              <a:t>Perform EDA of the </a:t>
-            </a:r>
-            <a:r>
-              <a:rPr lang="en-US" dirty="0" err="1" smtClean="0"/>
-              <a:t>OkCupid</a:t>
+              <a:t>Watch Week 3 of Andrew </a:t>
             </a:r>
             <a:r>
               <a:rPr lang="en-US" dirty="0"/>
-              <a:t> dataset </a:t>
+              <a:t>Ng’s </a:t>
             </a:r>
             <a:r>
               <a:rPr lang="en-US" dirty="0">
@@ -4376,135 +4367,25 @@
               <a:rPr lang="en-US" dirty="0" smtClean="0">
                 <a:hlinkClick r:id="rId2"/>
               </a:rPr>
-              <a:t>github.com/rudeboybert/JSE_OkCupid</a:t>
+              <a:t>www.coursera.org/learn/machine-learning</a:t>
             </a:r>
             <a:endParaRPr lang="en-US" dirty="0" smtClean="0"/>
           </a:p>
           <a:p>
-            <a:pPr marL="630936" lvl="1" indent="-457200"/>
-            <a:r>
-              <a:rPr lang="en-US" dirty="0" smtClean="0"/>
-              <a:t>Use </a:t>
-            </a:r>
-            <a:r>
-              <a:rPr lang="en-US" dirty="0" err="1" smtClean="0"/>
-              <a:t>Jupyter</a:t>
-            </a:r>
-            <a:r>
-              <a:rPr lang="en-US" dirty="0" smtClean="0"/>
-              <a:t> Notebook, combining markdown, code and graphs</a:t>
-            </a:r>
-          </a:p>
-          <a:p>
-            <a:pPr marL="630936" lvl="1" indent="-457200"/>
-            <a:r>
-              <a:rPr lang="en-US" dirty="0" smtClean="0"/>
-              <a:t>Use appropriate headings</a:t>
-            </a:r>
-            <a:r>
-              <a:rPr lang="en-US" dirty="0"/>
-              <a:t> </a:t>
-            </a:r>
-            <a:r>
-              <a:rPr lang="en-US" dirty="0" smtClean="0"/>
-              <a:t>and sections</a:t>
-            </a:r>
-          </a:p>
-          <a:p>
-            <a:pPr marL="630936" lvl="1" indent="-457200"/>
-            <a:r>
-              <a:rPr lang="en-US" dirty="0" smtClean="0"/>
-              <a:t>Choose the best graph for the job</a:t>
-            </a:r>
-          </a:p>
-          <a:p>
-            <a:pPr marL="630936" lvl="1" indent="-457200"/>
-            <a:r>
-              <a:rPr lang="en-US" dirty="0" smtClean="0"/>
-              <a:t>Explain what the graph shows</a:t>
-            </a:r>
-          </a:p>
-          <a:p>
-            <a:pPr marL="630936" lvl="1" indent="-457200"/>
-            <a:r>
-              <a:rPr lang="en-US" dirty="0" smtClean="0"/>
-              <a:t>Submit notebook as a Pull Request. Name the file </a:t>
-            </a:r>
-            <a:r>
-              <a:rPr lang="en-US" dirty="0" err="1" smtClean="0"/>
-              <a:t>YOURID_YOURNAME_EDA_OkCupid.ipynb</a:t>
-            </a:r>
-            <a:endParaRPr lang="en-US" dirty="0" smtClean="0"/>
-          </a:p>
-          <a:p>
-            <a:pPr marL="457200" indent="-457200">
-              <a:buFont typeface="+mj-lt"/>
-              <a:buAutoNum type="arabicPeriod"/>
-            </a:pPr>
-            <a:r>
-              <a:rPr lang="en-US" dirty="0"/>
-              <a:t>Read </a:t>
-            </a:r>
-            <a:r>
-              <a:rPr lang="en-US" dirty="0">
-                <a:hlinkClick r:id="rId3"/>
-              </a:rPr>
-              <a:t>Example Machine Learning Notebook</a:t>
-            </a:r>
-            <a:r>
-              <a:rPr lang="en-US" dirty="0"/>
-              <a:t> until Step 5 (Classification) – not including</a:t>
-            </a:r>
-          </a:p>
-          <a:p>
-            <a:pPr marL="457200" indent="-457200">
-              <a:buFont typeface="+mj-lt"/>
-              <a:buAutoNum type="arabicPeriod"/>
-            </a:pPr>
-            <a:r>
-              <a:rPr lang="en-US" dirty="0"/>
-              <a:t>Read </a:t>
-            </a:r>
-            <a:r>
-              <a:rPr lang="en-US" dirty="0">
-                <a:hlinkClick r:id="rId4"/>
-              </a:rPr>
-              <a:t>Visualization with </a:t>
-            </a:r>
-            <a:r>
-              <a:rPr lang="en-US" dirty="0" err="1">
-                <a:hlinkClick r:id="rId4"/>
-              </a:rPr>
-              <a:t>Seaborn</a:t>
-            </a:r>
-            <a:endParaRPr lang="en-US" dirty="0"/>
-          </a:p>
-          <a:p>
-            <a:pPr marL="457200" indent="-457200">
-              <a:buFont typeface="+mj-lt"/>
-              <a:buAutoNum type="arabicPeriod"/>
-            </a:pPr>
-            <a:endParaRPr lang="en-US" dirty="0" smtClean="0"/>
+            <a:endParaRPr lang="he-IL" dirty="0"/>
           </a:p>
         </p:txBody>
       </p:sp>
     </p:spTree>
     <p:extLst>
       <p:ext uri="{BB962C8B-B14F-4D97-AF65-F5344CB8AC3E}">
-        <p14:creationId xmlns:p14="http://schemas.microsoft.com/office/powerpoint/2010/main" val="2476020782"/>
+        <p14:creationId xmlns:p14="http://schemas.microsoft.com/office/powerpoint/2010/main" val="3275730244"/>
       </p:ext>
     </p:extLst>
   </p:cSld>
   <p:clrMapOvr>
     <a:masterClrMapping/>
   </p:clrMapOvr>
-  <p:timing>
-    <p:tnLst>
-      <p:par>
-        <p:cTn id="1" dur="indefinite" restart="never" nodeType="tmRoot"/>
-      </p:par>
-    </p:tnLst>
-  </p:timing>
 </p:sld>
 </file>
 
@@ -4962,7 +4843,7 @@
       </p:grpSpPr>
       <p:sp>
         <p:nvSpPr>
-          <p:cNvPr id="4" name="Title 3"/>
+          <p:cNvPr id="2" name="Title 1"/>
           <p:cNvSpPr>
             <a:spLocks noGrp="1"/>
           </p:cNvSpPr>
@@ -4977,26 +4858,90 @@
           <a:p>
             <a:r>
               <a:rPr lang="en-US" dirty="0" smtClean="0"/>
-              <a:t>Data visualization Guidelines</a:t>
-            </a:r>
-            <a:endParaRPr lang="en-US" dirty="0"/>
-          </a:p>
-        </p:txBody>
-      </p:sp>
-      <p:sp>
-        <p:nvSpPr>
-          <p:cNvPr id="2" name="Text Placeholder 1"/>
-          <p:cNvSpPr>
-            <a:spLocks noGrp="1"/>
-          </p:cNvSpPr>
-          <p:nvPr>
-            <p:ph type="body" idx="1"/>
-          </p:nvPr>
-        </p:nvSpPr>
-        <p:spPr/>
-        <p:txBody>
-          <a:bodyPr/>
-          <a:lstStyle/>
+              <a:t>Handling Multiple Classes</a:t>
+            </a:r>
+            <a:endParaRPr lang="he-IL" dirty="0"/>
+          </a:p>
+        </p:txBody>
+      </p:sp>
+      <p:sp>
+        <p:nvSpPr>
+          <p:cNvPr id="3" name="Content Placeholder 2"/>
+          <p:cNvSpPr>
+            <a:spLocks noGrp="1"/>
+          </p:cNvSpPr>
+          <p:nvPr>
+            <p:ph idx="1"/>
+          </p:nvPr>
+        </p:nvSpPr>
+        <p:spPr/>
+        <p:txBody>
+          <a:bodyPr/>
+          <a:lstStyle/>
+          <a:p>
+            <a:r>
+              <a:rPr lang="en-US" dirty="0" smtClean="0"/>
+              <a:t>One vs. Rest </a:t>
+            </a:r>
+            <a:r>
+              <a:rPr lang="en-US" dirty="0"/>
+              <a:t>(</a:t>
+            </a:r>
+            <a:r>
+              <a:rPr lang="en-US" dirty="0" err="1"/>
+              <a:t>SciKit</a:t>
+            </a:r>
+            <a:r>
+              <a:rPr lang="en-US" dirty="0"/>
+              <a:t> </a:t>
+            </a:r>
+            <a:r>
+              <a:rPr lang="en-US" dirty="0" err="1"/>
+              <a:t>Learn’s</a:t>
+            </a:r>
+            <a:r>
+              <a:rPr lang="en-US" dirty="0"/>
+              <a:t> </a:t>
+            </a:r>
+            <a:r>
+              <a:rPr lang="en-US" dirty="0" err="1" smtClean="0"/>
+              <a:t>OneVsRestClassifier</a:t>
+            </a:r>
+            <a:r>
+              <a:rPr lang="en-US" dirty="0" smtClean="0"/>
+              <a:t>)</a:t>
+            </a:r>
+          </a:p>
+          <a:p>
+            <a:r>
+              <a:rPr lang="en-US" dirty="0" smtClean="0"/>
+              <a:t>One vs. One (</a:t>
+            </a:r>
+            <a:r>
+              <a:rPr lang="en-US" dirty="0" err="1" smtClean="0"/>
+              <a:t>SciKit</a:t>
+            </a:r>
+            <a:r>
+              <a:rPr lang="en-US" dirty="0" smtClean="0"/>
+              <a:t> </a:t>
+            </a:r>
+            <a:r>
+              <a:rPr lang="en-US" dirty="0" err="1" smtClean="0"/>
+              <a:t>Learn’s</a:t>
+            </a:r>
+            <a:r>
+              <a:rPr lang="en-US" dirty="0" smtClean="0"/>
+              <a:t> </a:t>
+            </a:r>
+            <a:r>
+              <a:rPr lang="en-US" dirty="0" err="1" smtClean="0"/>
+              <a:t>OneVsOneClassifier</a:t>
+            </a:r>
+            <a:r>
+              <a:rPr lang="en-US" dirty="0" smtClean="0"/>
+              <a:t>)</a:t>
+            </a:r>
+          </a:p>
           <a:p>
             <a:endParaRPr lang="he-IL" dirty="0"/>
           </a:p>
@@ -5005,32 +4950,81 @@
     </p:spTree>
     <p:extLst>
       <p:ext uri="{BB962C8B-B14F-4D97-AF65-F5344CB8AC3E}">
-        <p14:creationId xmlns:p14="http://schemas.microsoft.com/office/powerpoint/2010/main" val="2960772455"/>
+        <p14:creationId xmlns:p14="http://schemas.microsoft.com/office/powerpoint/2010/main" val="2304564797"/>
       </p:ext>
     </p:extLst>
   </p:cSld>
   <p:clrMapOvr>
     <a:masterClrMapping/>
   </p:clrMapOvr>
-  <mc:AlternateContent xmlns:mc="http://schemas.openxmlformats.org/markup-compatibility/2006" xmlns:p14="http://schemas.microsoft.com/office/powerpoint/2010/main">
-    <mc:Choice Requires="p14">
-      <p:transition spd="med" p14:dur="700">
-        <p:fade/>
-      </p:transition>
-    </mc:Choice>
-    <mc:Fallback xmlns="">
-      <p:transition spd="med">
-        <p:fade/>
-      </p:transition>
-    </mc:Fallback>
-  </mc:AlternateContent>
-  <p:timing>
-    <p:tnLst>
-      <p:par>
-        <p:cTn id="1" dur="indefinite" restart="never" nodeType="tmRoot"/>
-      </p:par>
-    </p:tnLst>
-  </p:timing>
+</p:sld>
+</file>
+
+<file path=ppt/slides/slide8.xml><?xml version="1.0" encoding="utf-8"?>
+<p:sld xmlns:a="http://schemas.openxmlformats.org/drawingml/2006/main" xmlns:r="http://schemas.openxmlformats.org/officeDocument/2006/relationships" xmlns:p="http://schemas.openxmlformats.org/presentationml/2006/main">
+  <p:cSld>
+    <p:spTree>
+      <p:nvGrpSpPr>
+        <p:cNvPr id="1" name=""/>
+        <p:cNvGrpSpPr/>
+        <p:nvPr/>
+      </p:nvGrpSpPr>
+      <p:grpSpPr>
+        <a:xfrm>
+          <a:off x="0" y="0"/>
+          <a:ext cx="0" cy="0"/>
+          <a:chOff x="0" y="0"/>
+          <a:chExt cx="0" cy="0"/>
+        </a:xfrm>
+      </p:grpSpPr>
+      <p:sp>
+        <p:nvSpPr>
+          <p:cNvPr id="2" name="Title 1"/>
+          <p:cNvSpPr>
+            <a:spLocks noGrp="1"/>
+          </p:cNvSpPr>
+          <p:nvPr>
+            <p:ph type="title"/>
+          </p:nvPr>
+        </p:nvSpPr>
+        <p:spPr/>
+        <p:txBody>
+          <a:bodyPr/>
+          <a:lstStyle/>
+          <a:p>
+            <a:endParaRPr lang="he-IL"/>
+          </a:p>
+        </p:txBody>
+      </p:sp>
+      <p:sp>
+        <p:nvSpPr>
+          <p:cNvPr id="3" name="Content Placeholder 2"/>
+          <p:cNvSpPr>
+            <a:spLocks noGrp="1"/>
+          </p:cNvSpPr>
+          <p:nvPr>
+            <p:ph idx="1"/>
+          </p:nvPr>
+        </p:nvSpPr>
+        <p:spPr/>
+        <p:txBody>
+          <a:bodyPr/>
+          <a:lstStyle/>
+          <a:p>
+            <a:endParaRPr lang="he-IL"/>
+          </a:p>
+        </p:txBody>
+      </p:sp>
+    </p:spTree>
+    <p:extLst>
+      <p:ext uri="{BB962C8B-B14F-4D97-AF65-F5344CB8AC3E}">
+        <p14:creationId xmlns:p14="http://schemas.microsoft.com/office/powerpoint/2010/main" val="3594871193"/>
+      </p:ext>
+    </p:extLst>
+  </p:cSld>
+  <p:clrMapOvr>
+    <a:masterClrMapping/>
+  </p:clrMapOvr>
 </p:sld>
 </file>
 

--- a/Applied Data Science - Logistic Regression.pptx
+++ b/Applied Data Science - Logistic Regression.pptx
@@ -11,11 +11,11 @@
     <p:sldId id="256" r:id="rId2"/>
     <p:sldId id="423" r:id="rId3"/>
     <p:sldId id="400" r:id="rId4"/>
-    <p:sldId id="420" r:id="rId5"/>
-    <p:sldId id="421" r:id="rId6"/>
-    <p:sldId id="422" r:id="rId7"/>
+    <p:sldId id="422" r:id="rId5"/>
+    <p:sldId id="425" r:id="rId6"/>
+    <p:sldId id="427" r:id="rId7"/>
     <p:sldId id="424" r:id="rId8"/>
-    <p:sldId id="425" r:id="rId9"/>
+    <p:sldId id="426" r:id="rId9"/>
   </p:sldIdLst>
   <p:sldSz cx="12192000" cy="6858000"/>
   <p:notesSz cx="6858000" cy="9144000"/>
@@ -204,7 +204,7 @@
           <a:p>
             <a:fld id="{F1D2C95C-E6C5-47EE-A945-EBB416EE6C3F}" type="datetimeFigureOut">
               <a:rPr lang="en-US" smtClean="0"/>
-              <a:t>5/2/2017</a:t>
+              <a:t>5/9/2017</a:t>
             </a:fld>
             <a:endParaRPr lang="en-US"/>
           </a:p>
@@ -549,7 +549,7 @@
           <a:p>
             <a:fld id="{EF941387-0482-4AF6-9996-23A3E24C4593}" type="slidenum">
               <a:rPr lang="en-US" smtClean="0"/>
-              <a:t>6</a:t>
+              <a:t>4</a:t>
             </a:fld>
             <a:endParaRPr lang="en-US"/>
           </a:p>
@@ -720,7 +720,7 @@
           <a:p>
             <a:fld id="{BF4D7DE9-04F8-4F0B-A692-02FE1DAE9F6D}" type="datetimeFigureOut">
               <a:rPr lang="en-US" smtClean="0"/>
-              <a:t>5/2/2017</a:t>
+              <a:t>5/9/2017</a:t>
             </a:fld>
             <a:endParaRPr lang="en-US"/>
           </a:p>
@@ -985,7 +985,7 @@
           <a:p>
             <a:fld id="{BF4D7DE9-04F8-4F0B-A692-02FE1DAE9F6D}" type="datetimeFigureOut">
               <a:rPr lang="en-US" smtClean="0"/>
-              <a:t>5/2/2017</a:t>
+              <a:t>5/9/2017</a:t>
             </a:fld>
             <a:endParaRPr lang="en-US"/>
           </a:p>
@@ -1172,7 +1172,7 @@
           <a:p>
             <a:fld id="{BF4D7DE9-04F8-4F0B-A692-02FE1DAE9F6D}" type="datetimeFigureOut">
               <a:rPr lang="en-US" smtClean="0"/>
-              <a:t>5/2/2017</a:t>
+              <a:t>5/9/2017</a:t>
             </a:fld>
             <a:endParaRPr lang="en-US"/>
           </a:p>
@@ -1410,7 +1410,7 @@
           <a:p>
             <a:fld id="{BF4D7DE9-04F8-4F0B-A692-02FE1DAE9F6D}" type="datetimeFigureOut">
               <a:rPr lang="en-US" smtClean="0"/>
-              <a:t>5/2/2017</a:t>
+              <a:t>5/9/2017</a:t>
             </a:fld>
             <a:endParaRPr lang="en-US"/>
           </a:p>
@@ -1674,7 +1674,7 @@
           <a:p>
             <a:fld id="{BF4D7DE9-04F8-4F0B-A692-02FE1DAE9F6D}" type="datetimeFigureOut">
               <a:rPr lang="en-US" smtClean="0"/>
-              <a:t>5/2/2017</a:t>
+              <a:t>5/9/2017</a:t>
             </a:fld>
             <a:endParaRPr lang="en-US"/>
           </a:p>
@@ -2053,7 +2053,7 @@
           <a:p>
             <a:fld id="{BF4D7DE9-04F8-4F0B-A692-02FE1DAE9F6D}" type="datetimeFigureOut">
               <a:rPr lang="en-US" smtClean="0"/>
-              <a:t>5/2/2017</a:t>
+              <a:t>5/9/2017</a:t>
             </a:fld>
             <a:endParaRPr lang="en-US"/>
           </a:p>
@@ -2510,7 +2510,7 @@
           <a:p>
             <a:fld id="{BF4D7DE9-04F8-4F0B-A692-02FE1DAE9F6D}" type="datetimeFigureOut">
               <a:rPr lang="en-US" smtClean="0"/>
-              <a:t>5/2/2017</a:t>
+              <a:t>5/9/2017</a:t>
             </a:fld>
             <a:endParaRPr lang="en-US"/>
           </a:p>
@@ -2635,7 +2635,7 @@
           <a:p>
             <a:fld id="{BF4D7DE9-04F8-4F0B-A692-02FE1DAE9F6D}" type="datetimeFigureOut">
               <a:rPr lang="en-US" smtClean="0"/>
-              <a:t>5/2/2017</a:t>
+              <a:t>5/9/2017</a:t>
             </a:fld>
             <a:endParaRPr lang="en-US"/>
           </a:p>
@@ -2737,7 +2737,7 @@
           <a:p>
             <a:fld id="{BF4D7DE9-04F8-4F0B-A692-02FE1DAE9F6D}" type="datetimeFigureOut">
               <a:rPr lang="en-US" smtClean="0"/>
-              <a:t>5/2/2017</a:t>
+              <a:t>5/9/2017</a:t>
             </a:fld>
             <a:endParaRPr lang="en-US"/>
           </a:p>
@@ -3122,7 +3122,7 @@
           <a:p>
             <a:fld id="{BF4D7DE9-04F8-4F0B-A692-02FE1DAE9F6D}" type="datetimeFigureOut">
               <a:rPr lang="en-US" smtClean="0"/>
-              <a:t>5/2/2017</a:t>
+              <a:t>5/9/2017</a:t>
             </a:fld>
             <a:endParaRPr lang="en-US"/>
           </a:p>
@@ -3414,7 +3414,7 @@
           <a:p>
             <a:fld id="{BF4D7DE9-04F8-4F0B-A692-02FE1DAE9F6D}" type="datetimeFigureOut">
               <a:rPr lang="en-US" smtClean="0"/>
-              <a:t>5/2/2017</a:t>
+              <a:t>5/9/2017</a:t>
             </a:fld>
             <a:endParaRPr lang="en-US"/>
           </a:p>
@@ -3671,7 +3671,7 @@
           <a:p>
             <a:fld id="{BF4D7DE9-04F8-4F0B-A692-02FE1DAE9F6D}" type="datetimeFigureOut">
               <a:rPr lang="en-US" smtClean="0"/>
-              <a:t>5/2/2017</a:t>
+              <a:t>5/9/2017</a:t>
             </a:fld>
             <a:endParaRPr lang="en-US"/>
           </a:p>
@@ -4436,7 +4436,7 @@
             <a:spLocks noGrp="1"/>
           </p:cNvSpPr>
           <p:nvPr>
-            <p:ph idx="1"/>
+            <p:ph sz="half" idx="1"/>
           </p:nvPr>
         </p:nvSpPr>
         <p:spPr/>
@@ -4480,10 +4480,182 @@
             </a:r>
           </a:p>
           <a:p>
+            <a:r>
+              <a:rPr lang="en-US" dirty="0" smtClean="0"/>
+              <a:t>Based on the Logistic Function (Sigmoid</a:t>
+            </a:r>
+            <a:r>
+              <a:rPr lang="en-US" dirty="0"/>
+              <a:t>), which is the </a:t>
+            </a:r>
+            <a:r>
+              <a:rPr lang="en-US" dirty="0" smtClean="0"/>
+              <a:t>inverse </a:t>
+            </a:r>
+            <a:r>
+              <a:rPr lang="en-US" dirty="0"/>
+              <a:t>of the </a:t>
+            </a:r>
+            <a:r>
+              <a:rPr lang="en-US" dirty="0" err="1"/>
+              <a:t>Logit</a:t>
+            </a:r>
+            <a:r>
+              <a:rPr lang="en-US" dirty="0"/>
+              <a:t> </a:t>
+            </a:r>
+            <a:r>
+              <a:rPr lang="en-US" dirty="0" smtClean="0"/>
+              <a:t>function (odds ratio)</a:t>
+            </a:r>
+          </a:p>
+          <a:p>
+            <a:endParaRPr lang="en-US" dirty="0"/>
+          </a:p>
+          <a:p>
             <a:endParaRPr lang="he-IL" dirty="0"/>
           </a:p>
         </p:txBody>
       </p:sp>
+      <p:sp>
+        <p:nvSpPr>
+          <p:cNvPr id="9" name="Content Placeholder 8"/>
+          <p:cNvSpPr>
+            <a:spLocks noGrp="1"/>
+          </p:cNvSpPr>
+          <p:nvPr>
+            <p:ph sz="half" idx="2"/>
+          </p:nvPr>
+        </p:nvSpPr>
+        <p:spPr/>
+        <p:txBody>
+          <a:bodyPr/>
+          <a:lstStyle/>
+          <a:p>
+            <a:endParaRPr lang="he-IL"/>
+          </a:p>
+        </p:txBody>
+      </p:sp>
+      <p:pic>
+        <p:nvPicPr>
+          <p:cNvPr id="4" name="Picture 3"/>
+          <p:cNvPicPr>
+            <a:picLocks noChangeAspect="1"/>
+          </p:cNvPicPr>
+          <p:nvPr/>
+        </p:nvPicPr>
+        <p:blipFill>
+          <a:blip r:embed="rId2"/>
+          <a:stretch>
+            <a:fillRect/>
+          </a:stretch>
+        </p:blipFill>
+        <p:spPr>
+          <a:xfrm>
+            <a:off x="5872161" y="5353054"/>
+            <a:ext cx="3038475" cy="723900"/>
+          </a:xfrm>
+          <a:prstGeom prst="rect">
+            <a:avLst/>
+          </a:prstGeom>
+        </p:spPr>
+      </p:pic>
+      <p:pic>
+        <p:nvPicPr>
+          <p:cNvPr id="5" name="Picture 4"/>
+          <p:cNvPicPr>
+            <a:picLocks noChangeAspect="1"/>
+          </p:cNvPicPr>
+          <p:nvPr/>
+        </p:nvPicPr>
+        <p:blipFill>
+          <a:blip r:embed="rId3"/>
+          <a:stretch>
+            <a:fillRect/>
+          </a:stretch>
+        </p:blipFill>
+        <p:spPr>
+          <a:xfrm>
+            <a:off x="6008232" y="6141585"/>
+            <a:ext cx="3724275" cy="257175"/>
+          </a:xfrm>
+          <a:prstGeom prst="rect">
+            <a:avLst/>
+          </a:prstGeom>
+        </p:spPr>
+      </p:pic>
+      <p:pic>
+        <p:nvPicPr>
+          <p:cNvPr id="8" name="Picture 7"/>
+          <p:cNvPicPr>
+            <a:picLocks noChangeAspect="1"/>
+          </p:cNvPicPr>
+          <p:nvPr/>
+        </p:nvPicPr>
+        <p:blipFill>
+          <a:blip r:embed="rId4"/>
+          <a:stretch>
+            <a:fillRect/>
+          </a:stretch>
+        </p:blipFill>
+        <p:spPr>
+          <a:xfrm>
+            <a:off x="5761517" y="2089512"/>
+            <a:ext cx="5124197" cy="2796794"/>
+          </a:xfrm>
+          <a:prstGeom prst="rect">
+            <a:avLst/>
+          </a:prstGeom>
+        </p:spPr>
+      </p:pic>
+      <p:pic>
+        <p:nvPicPr>
+          <p:cNvPr id="10" name="Picture 9"/>
+          <p:cNvPicPr>
+            <a:picLocks noChangeAspect="1"/>
+          </p:cNvPicPr>
+          <p:nvPr/>
+        </p:nvPicPr>
+        <p:blipFill>
+          <a:blip r:embed="rId5"/>
+          <a:stretch>
+            <a:fillRect/>
+          </a:stretch>
+        </p:blipFill>
+        <p:spPr>
+          <a:xfrm>
+            <a:off x="5883048" y="4868636"/>
+            <a:ext cx="3190875" cy="495300"/>
+          </a:xfrm>
+          <a:prstGeom prst="rect">
+            <a:avLst/>
+          </a:prstGeom>
+        </p:spPr>
+      </p:pic>
+      <p:pic>
+        <p:nvPicPr>
+          <p:cNvPr id="11" name="Picture 10"/>
+          <p:cNvPicPr>
+            <a:picLocks noChangeAspect="1"/>
+          </p:cNvPicPr>
+          <p:nvPr/>
+        </p:nvPicPr>
+        <p:blipFill>
+          <a:blip r:embed="rId6"/>
+          <a:stretch>
+            <a:fillRect/>
+          </a:stretch>
+        </p:blipFill>
+        <p:spPr>
+          <a:xfrm>
+            <a:off x="986517" y="4928507"/>
+            <a:ext cx="3465740" cy="642430"/>
+          </a:xfrm>
+          <a:prstGeom prst="rect">
+            <a:avLst/>
+          </a:prstGeom>
+        </p:spPr>
+      </p:pic>
     </p:spTree>
     <p:extLst>
       <p:ext uri="{BB962C8B-B14F-4D97-AF65-F5344CB8AC3E}">
@@ -4550,218 +4722,6 @@
           <a:p>
             <a:r>
               <a:rPr lang="en-US" dirty="0" smtClean="0"/>
-              <a:t>Odds Ratio</a:t>
-            </a:r>
-            <a:endParaRPr lang="he-IL" dirty="0"/>
-          </a:p>
-        </p:txBody>
-      </p:sp>
-      <p:sp>
-        <p:nvSpPr>
-          <p:cNvPr id="3" name="Content Placeholder 2"/>
-          <p:cNvSpPr>
-            <a:spLocks noGrp="1"/>
-          </p:cNvSpPr>
-          <p:nvPr>
-            <p:ph idx="1"/>
-          </p:nvPr>
-        </p:nvSpPr>
-        <p:spPr/>
-        <p:txBody>
-          <a:bodyPr/>
-          <a:lstStyle/>
-          <a:p>
-            <a:endParaRPr lang="he-IL"/>
-          </a:p>
-        </p:txBody>
-      </p:sp>
-    </p:spTree>
-    <p:extLst>
-      <p:ext uri="{BB962C8B-B14F-4D97-AF65-F5344CB8AC3E}">
-        <p14:creationId xmlns:p14="http://schemas.microsoft.com/office/powerpoint/2010/main" val="1136262564"/>
-      </p:ext>
-    </p:extLst>
-  </p:cSld>
-  <p:clrMapOvr>
-    <a:masterClrMapping/>
-  </p:clrMapOvr>
-</p:sld>
-</file>
-
-<file path=ppt/slides/slide5.xml><?xml version="1.0" encoding="utf-8"?>
-<p:sld xmlns:a="http://schemas.openxmlformats.org/drawingml/2006/main" xmlns:r="http://schemas.openxmlformats.org/officeDocument/2006/relationships" xmlns:p="http://schemas.openxmlformats.org/presentationml/2006/main">
-  <p:cSld>
-    <p:spTree>
-      <p:nvGrpSpPr>
-        <p:cNvPr id="1" name=""/>
-        <p:cNvGrpSpPr/>
-        <p:nvPr/>
-      </p:nvGrpSpPr>
-      <p:grpSpPr>
-        <a:xfrm>
-          <a:off x="0" y="0"/>
-          <a:ext cx="0" cy="0"/>
-          <a:chOff x="0" y="0"/>
-          <a:chExt cx="0" cy="0"/>
-        </a:xfrm>
-      </p:grpSpPr>
-      <p:sp>
-        <p:nvSpPr>
-          <p:cNvPr id="2" name="Title 1"/>
-          <p:cNvSpPr>
-            <a:spLocks noGrp="1"/>
-          </p:cNvSpPr>
-          <p:nvPr>
-            <p:ph type="title"/>
-          </p:nvPr>
-        </p:nvSpPr>
-        <p:spPr/>
-        <p:txBody>
-          <a:bodyPr/>
-          <a:lstStyle/>
-          <a:p>
-            <a:r>
-              <a:rPr lang="en-US" dirty="0" smtClean="0"/>
-              <a:t>Logistic Function</a:t>
-            </a:r>
-            <a:endParaRPr lang="he-IL" dirty="0"/>
-          </a:p>
-        </p:txBody>
-      </p:sp>
-      <p:sp>
-        <p:nvSpPr>
-          <p:cNvPr id="3" name="Content Placeholder 2"/>
-          <p:cNvSpPr>
-            <a:spLocks noGrp="1"/>
-          </p:cNvSpPr>
-          <p:nvPr>
-            <p:ph idx="1"/>
-          </p:nvPr>
-        </p:nvSpPr>
-        <p:spPr/>
-        <p:txBody>
-          <a:bodyPr/>
-          <a:lstStyle/>
-          <a:p>
-            <a:r>
-              <a:rPr lang="en-US" dirty="0" smtClean="0"/>
-              <a:t>Sigmoid function</a:t>
-            </a:r>
-          </a:p>
-          <a:p>
-            <a:r>
-              <a:rPr lang="en-US" dirty="0" smtClean="0"/>
-              <a:t>Inverse of the </a:t>
-            </a:r>
-            <a:r>
-              <a:rPr lang="en-US" dirty="0" err="1" smtClean="0"/>
-              <a:t>Logit</a:t>
-            </a:r>
-            <a:r>
-              <a:rPr lang="en-US" dirty="0" smtClean="0"/>
-              <a:t> function</a:t>
-            </a:r>
-          </a:p>
-          <a:p>
-            <a:endParaRPr lang="he-IL" dirty="0"/>
-          </a:p>
-        </p:txBody>
-      </p:sp>
-      <p:pic>
-        <p:nvPicPr>
-          <p:cNvPr id="5" name="Picture 4"/>
-          <p:cNvPicPr>
-            <a:picLocks noChangeAspect="1"/>
-          </p:cNvPicPr>
-          <p:nvPr/>
-        </p:nvPicPr>
-        <p:blipFill>
-          <a:blip r:embed="rId2"/>
-          <a:stretch>
-            <a:fillRect/>
-          </a:stretch>
-        </p:blipFill>
-        <p:spPr>
-          <a:xfrm>
-            <a:off x="4748212" y="3052762"/>
-            <a:ext cx="2695575" cy="752475"/>
-          </a:xfrm>
-          <a:prstGeom prst="rect">
-            <a:avLst/>
-          </a:prstGeom>
-        </p:spPr>
-      </p:pic>
-      <p:pic>
-        <p:nvPicPr>
-          <p:cNvPr id="6" name="Picture 5"/>
-          <p:cNvPicPr>
-            <a:picLocks noChangeAspect="1"/>
-          </p:cNvPicPr>
-          <p:nvPr/>
-        </p:nvPicPr>
-        <p:blipFill>
-          <a:blip r:embed="rId3"/>
-          <a:stretch>
-            <a:fillRect/>
-          </a:stretch>
-        </p:blipFill>
-        <p:spPr>
-          <a:xfrm>
-            <a:off x="5026416" y="3819773"/>
-            <a:ext cx="2447925" cy="857250"/>
-          </a:xfrm>
-          <a:prstGeom prst="rect">
-            <a:avLst/>
-          </a:prstGeom>
-        </p:spPr>
-      </p:pic>
-    </p:spTree>
-    <p:extLst>
-      <p:ext uri="{BB962C8B-B14F-4D97-AF65-F5344CB8AC3E}">
-        <p14:creationId xmlns:p14="http://schemas.microsoft.com/office/powerpoint/2010/main" val="840420550"/>
-      </p:ext>
-    </p:extLst>
-  </p:cSld>
-  <p:clrMapOvr>
-    <a:masterClrMapping/>
-  </p:clrMapOvr>
-</p:sld>
-</file>
-
-<file path=ppt/slides/slide6.xml><?xml version="1.0" encoding="utf-8"?>
-<p:sld xmlns:a="http://schemas.openxmlformats.org/drawingml/2006/main" xmlns:r="http://schemas.openxmlformats.org/officeDocument/2006/relationships" xmlns:p="http://schemas.openxmlformats.org/presentationml/2006/main">
-  <p:cSld>
-    <p:spTree>
-      <p:nvGrpSpPr>
-        <p:cNvPr id="1" name=""/>
-        <p:cNvGrpSpPr/>
-        <p:nvPr/>
-      </p:nvGrpSpPr>
-      <p:grpSpPr>
-        <a:xfrm>
-          <a:off x="0" y="0"/>
-          <a:ext cx="0" cy="0"/>
-          <a:chOff x="0" y="0"/>
-          <a:chExt cx="0" cy="0"/>
-        </a:xfrm>
-      </p:grpSpPr>
-      <p:sp>
-        <p:nvSpPr>
-          <p:cNvPr id="2" name="Title 1"/>
-          <p:cNvSpPr>
-            <a:spLocks noGrp="1"/>
-          </p:cNvSpPr>
-          <p:nvPr>
-            <p:ph type="title"/>
-          </p:nvPr>
-        </p:nvSpPr>
-        <p:spPr/>
-        <p:txBody>
-          <a:bodyPr/>
-          <a:lstStyle/>
-          <a:p>
-            <a:r>
-              <a:rPr lang="en-US" dirty="0" smtClean="0"/>
               <a:t>Sigmoid Functions</a:t>
             </a:r>
             <a:endParaRPr lang="he-IL" dirty="0"/>
@@ -4824,6 +4784,265 @@
 </p:sld>
 </file>
 
+<file path=ppt/slides/slide5.xml><?xml version="1.0" encoding="utf-8"?>
+<p:sld xmlns:a="http://schemas.openxmlformats.org/drawingml/2006/main" xmlns:r="http://schemas.openxmlformats.org/officeDocument/2006/relationships" xmlns:p="http://schemas.openxmlformats.org/presentationml/2006/main">
+  <p:cSld>
+    <p:spTree>
+      <p:nvGrpSpPr>
+        <p:cNvPr id="1" name=""/>
+        <p:cNvGrpSpPr/>
+        <p:nvPr/>
+      </p:nvGrpSpPr>
+      <p:grpSpPr>
+        <a:xfrm>
+          <a:off x="0" y="0"/>
+          <a:ext cx="0" cy="0"/>
+          <a:chOff x="0" y="0"/>
+          <a:chExt cx="0" cy="0"/>
+        </a:xfrm>
+      </p:grpSpPr>
+      <p:sp>
+        <p:nvSpPr>
+          <p:cNvPr id="2" name="Title 1"/>
+          <p:cNvSpPr>
+            <a:spLocks noGrp="1"/>
+          </p:cNvSpPr>
+          <p:nvPr>
+            <p:ph type="title"/>
+          </p:nvPr>
+        </p:nvSpPr>
+        <p:spPr/>
+        <p:txBody>
+          <a:bodyPr/>
+          <a:lstStyle/>
+          <a:p>
+            <a:r>
+              <a:rPr lang="en-US" dirty="0" smtClean="0"/>
+              <a:t>SCIKIT </a:t>
+            </a:r>
+            <a:r>
+              <a:rPr lang="en-US" dirty="0" err="1" smtClean="0"/>
+              <a:t>LEarn</a:t>
+            </a:r>
+            <a:endParaRPr lang="he-IL" dirty="0"/>
+          </a:p>
+        </p:txBody>
+      </p:sp>
+      <p:sp>
+        <p:nvSpPr>
+          <p:cNvPr id="3" name="Content Placeholder 2"/>
+          <p:cNvSpPr>
+            <a:spLocks noGrp="1"/>
+          </p:cNvSpPr>
+          <p:nvPr>
+            <p:ph idx="1"/>
+          </p:nvPr>
+        </p:nvSpPr>
+        <p:spPr/>
+        <p:txBody>
+          <a:bodyPr/>
+          <a:lstStyle/>
+          <a:p>
+            <a:endParaRPr lang="he-IL" dirty="0"/>
+          </a:p>
+        </p:txBody>
+      </p:sp>
+      <p:grpSp>
+        <p:nvGrpSpPr>
+          <p:cNvPr id="7" name="Group 6"/>
+          <p:cNvGrpSpPr/>
+          <p:nvPr/>
+        </p:nvGrpSpPr>
+        <p:grpSpPr>
+          <a:xfrm>
+            <a:off x="1019855" y="2276475"/>
+            <a:ext cx="7668985" cy="3452812"/>
+            <a:chOff x="2271712" y="3038475"/>
+            <a:chExt cx="7668985" cy="3452812"/>
+          </a:xfrm>
+        </p:grpSpPr>
+        <p:pic>
+          <p:nvPicPr>
+            <p:cNvPr id="5" name="Picture 4"/>
+            <p:cNvPicPr>
+              <a:picLocks noChangeAspect="1"/>
+            </p:cNvPicPr>
+            <p:nvPr/>
+          </p:nvPicPr>
+          <p:blipFill>
+            <a:blip r:embed="rId2"/>
+            <a:stretch>
+              <a:fillRect/>
+            </a:stretch>
+          </p:blipFill>
+          <p:spPr>
+            <a:xfrm>
+              <a:off x="2271712" y="3038475"/>
+              <a:ext cx="7648575" cy="781050"/>
+            </a:xfrm>
+            <a:prstGeom prst="rect">
+              <a:avLst/>
+            </a:prstGeom>
+          </p:spPr>
+        </p:pic>
+        <p:pic>
+          <p:nvPicPr>
+            <p:cNvPr id="6" name="Picture 5"/>
+            <p:cNvPicPr>
+              <a:picLocks noChangeAspect="1"/>
+            </p:cNvPicPr>
+            <p:nvPr/>
+          </p:nvPicPr>
+          <p:blipFill>
+            <a:blip r:embed="rId3"/>
+            <a:stretch>
+              <a:fillRect/>
+            </a:stretch>
+          </p:blipFill>
+          <p:spPr>
+            <a:xfrm>
+              <a:off x="2273072" y="3871912"/>
+              <a:ext cx="7667625" cy="2619375"/>
+            </a:xfrm>
+            <a:prstGeom prst="rect">
+              <a:avLst/>
+            </a:prstGeom>
+          </p:spPr>
+        </p:pic>
+      </p:grpSp>
+    </p:spTree>
+    <p:extLst>
+      <p:ext uri="{BB962C8B-B14F-4D97-AF65-F5344CB8AC3E}">
+        <p14:creationId xmlns:p14="http://schemas.microsoft.com/office/powerpoint/2010/main" val="2204786836"/>
+      </p:ext>
+    </p:extLst>
+  </p:cSld>
+  <p:clrMapOvr>
+    <a:masterClrMapping/>
+  </p:clrMapOvr>
+</p:sld>
+</file>
+
+<file path=ppt/slides/slide6.xml><?xml version="1.0" encoding="utf-8"?>
+<p:sld xmlns:a="http://schemas.openxmlformats.org/drawingml/2006/main" xmlns:r="http://schemas.openxmlformats.org/officeDocument/2006/relationships" xmlns:p="http://schemas.openxmlformats.org/presentationml/2006/main">
+  <p:cSld>
+    <p:spTree>
+      <p:nvGrpSpPr>
+        <p:cNvPr id="1" name=""/>
+        <p:cNvGrpSpPr/>
+        <p:nvPr/>
+      </p:nvGrpSpPr>
+      <p:grpSpPr>
+        <a:xfrm>
+          <a:off x="0" y="0"/>
+          <a:ext cx="0" cy="0"/>
+          <a:chOff x="0" y="0"/>
+          <a:chExt cx="0" cy="0"/>
+        </a:xfrm>
+      </p:grpSpPr>
+      <p:sp>
+        <p:nvSpPr>
+          <p:cNvPr id="2" name="Title 1"/>
+          <p:cNvSpPr>
+            <a:spLocks noGrp="1"/>
+          </p:cNvSpPr>
+          <p:nvPr>
+            <p:ph type="title"/>
+          </p:nvPr>
+        </p:nvSpPr>
+        <p:spPr/>
+        <p:txBody>
+          <a:bodyPr/>
+          <a:lstStyle/>
+          <a:p>
+            <a:r>
+              <a:rPr lang="en-US" dirty="0" smtClean="0"/>
+              <a:t>Methods</a:t>
+            </a:r>
+            <a:endParaRPr lang="he-IL" dirty="0"/>
+          </a:p>
+        </p:txBody>
+      </p:sp>
+      <p:sp>
+        <p:nvSpPr>
+          <p:cNvPr id="3" name="Content Placeholder 2"/>
+          <p:cNvSpPr>
+            <a:spLocks noGrp="1"/>
+          </p:cNvSpPr>
+          <p:nvPr>
+            <p:ph idx="1"/>
+          </p:nvPr>
+        </p:nvSpPr>
+        <p:spPr/>
+        <p:txBody>
+          <a:bodyPr/>
+          <a:lstStyle/>
+          <a:p>
+            <a:endParaRPr lang="he-IL"/>
+          </a:p>
+        </p:txBody>
+      </p:sp>
+      <p:pic>
+        <p:nvPicPr>
+          <p:cNvPr id="4" name="Picture 3"/>
+          <p:cNvPicPr>
+            <a:picLocks noChangeAspect="1"/>
+          </p:cNvPicPr>
+          <p:nvPr/>
+        </p:nvPicPr>
+        <p:blipFill>
+          <a:blip r:embed="rId2"/>
+          <a:stretch>
+            <a:fillRect/>
+          </a:stretch>
+        </p:blipFill>
+        <p:spPr>
+          <a:xfrm>
+            <a:off x="987198" y="2258786"/>
+            <a:ext cx="8341859" cy="871913"/>
+          </a:xfrm>
+          <a:prstGeom prst="rect">
+            <a:avLst/>
+          </a:prstGeom>
+        </p:spPr>
+      </p:pic>
+      <p:pic>
+        <p:nvPicPr>
+          <p:cNvPr id="5" name="Picture 4"/>
+          <p:cNvPicPr>
+            <a:picLocks noChangeAspect="1"/>
+          </p:cNvPicPr>
+          <p:nvPr/>
+        </p:nvPicPr>
+        <p:blipFill>
+          <a:blip r:embed="rId3"/>
+          <a:stretch>
+            <a:fillRect/>
+          </a:stretch>
+        </p:blipFill>
+        <p:spPr>
+          <a:xfrm>
+            <a:off x="1021216" y="3243214"/>
+            <a:ext cx="7540335" cy="3320872"/>
+          </a:xfrm>
+          <a:prstGeom prst="rect">
+            <a:avLst/>
+          </a:prstGeom>
+        </p:spPr>
+      </p:pic>
+    </p:spTree>
+    <p:extLst>
+      <p:ext uri="{BB962C8B-B14F-4D97-AF65-F5344CB8AC3E}">
+        <p14:creationId xmlns:p14="http://schemas.microsoft.com/office/powerpoint/2010/main" val="2445133150"/>
+      </p:ext>
+    </p:extLst>
+  </p:cSld>
+  <p:clrMapOvr>
+    <a:masterClrMapping/>
+  </p:clrMapOvr>
+</p:sld>
+</file>
+
 <file path=ppt/slides/slide7.xml><?xml version="1.0" encoding="utf-8"?>
 <p:sld xmlns:a="http://schemas.openxmlformats.org/drawingml/2006/main" xmlns:r="http://schemas.openxmlformats.org/officeDocument/2006/relationships" xmlns:p="http://schemas.openxmlformats.org/presentationml/2006/main">
   <p:cSld>
@@ -4947,6 +5166,69 @@
           </a:p>
         </p:txBody>
       </p:sp>
+      <p:grpSp>
+        <p:nvGrpSpPr>
+          <p:cNvPr id="6" name="Group 5"/>
+          <p:cNvGrpSpPr/>
+          <p:nvPr/>
+        </p:nvGrpSpPr>
+        <p:grpSpPr>
+          <a:xfrm>
+            <a:off x="4441371" y="3482155"/>
+            <a:ext cx="7225394" cy="3047913"/>
+            <a:chOff x="2265589" y="2928937"/>
+            <a:chExt cx="7659461" cy="3231017"/>
+          </a:xfrm>
+        </p:grpSpPr>
+        <p:pic>
+          <p:nvPicPr>
+            <p:cNvPr id="4" name="Picture 3"/>
+            <p:cNvPicPr>
+              <a:picLocks noChangeAspect="1"/>
+            </p:cNvPicPr>
+            <p:nvPr/>
+          </p:nvPicPr>
+          <p:blipFill>
+            <a:blip r:embed="rId2"/>
+            <a:stretch>
+              <a:fillRect/>
+            </a:stretch>
+          </p:blipFill>
+          <p:spPr>
+            <a:xfrm>
+              <a:off x="2266950" y="2928937"/>
+              <a:ext cx="7658100" cy="1000125"/>
+            </a:xfrm>
+            <a:prstGeom prst="rect">
+              <a:avLst/>
+            </a:prstGeom>
+          </p:spPr>
+        </p:pic>
+        <p:pic>
+          <p:nvPicPr>
+            <p:cNvPr id="5" name="Picture 4"/>
+            <p:cNvPicPr>
+              <a:picLocks noChangeAspect="1"/>
+            </p:cNvPicPr>
+            <p:nvPr/>
+          </p:nvPicPr>
+          <p:blipFill>
+            <a:blip r:embed="rId3"/>
+            <a:stretch>
+              <a:fillRect/>
+            </a:stretch>
+          </p:blipFill>
+          <p:spPr>
+            <a:xfrm>
+              <a:off x="2265589" y="4007304"/>
+              <a:ext cx="7639050" cy="2152650"/>
+            </a:xfrm>
+            <a:prstGeom prst="rect">
+              <a:avLst/>
+            </a:prstGeom>
+          </p:spPr>
+        </p:pic>
+      </p:grpSp>
     </p:spTree>
     <p:extLst>
       <p:ext uri="{BB962C8B-B14F-4D97-AF65-F5344CB8AC3E}">
@@ -4992,7 +5274,11 @@
           <a:bodyPr/>
           <a:lstStyle/>
           <a:p>
-            <a:endParaRPr lang="he-IL"/>
+            <a:r>
+              <a:rPr lang="en-US" dirty="0" smtClean="0"/>
+              <a:t>Limitations</a:t>
+            </a:r>
+            <a:endParaRPr lang="he-IL" dirty="0"/>
           </a:p>
         </p:txBody>
       </p:sp>
@@ -5011,14 +5297,82 @@
           <a:bodyPr/>
           <a:lstStyle/>
           <a:p>
-            <a:endParaRPr lang="he-IL"/>
+            <a:pPr marL="457200" indent="-457200">
+              <a:buFont typeface="+mj-lt"/>
+              <a:buAutoNum type="arabicPeriod"/>
+            </a:pPr>
+            <a:r>
+              <a:rPr lang="en-US" dirty="0" smtClean="0"/>
+              <a:t>Can model categorical data</a:t>
+            </a:r>
+          </a:p>
+          <a:p>
+            <a:pPr marL="457200" indent="-457200">
+              <a:buFont typeface="+mj-lt"/>
+              <a:buAutoNum type="arabicPeriod"/>
+            </a:pPr>
+            <a:r>
+              <a:rPr lang="en-US" dirty="0" smtClean="0"/>
+              <a:t>Gives probability (but usually used with a hard threshold)</a:t>
+            </a:r>
+          </a:p>
+          <a:p>
+            <a:pPr marL="457200" indent="-457200">
+              <a:buFont typeface="+mj-lt"/>
+              <a:buAutoNum type="arabicPeriod"/>
+            </a:pPr>
+            <a:r>
+              <a:rPr lang="en-US" dirty="0" smtClean="0"/>
+              <a:t>Doesn’t handle missing values well</a:t>
+            </a:r>
+          </a:p>
+          <a:p>
+            <a:pPr marL="457200" indent="-457200">
+              <a:buFont typeface="+mj-lt"/>
+              <a:buAutoNum type="arabicPeriod"/>
+            </a:pPr>
+            <a:r>
+              <a:rPr lang="en-US" dirty="0" smtClean="0"/>
+              <a:t>Sensitive to outliers</a:t>
+            </a:r>
+          </a:p>
+          <a:p>
+            <a:pPr marL="457200" indent="-457200">
+              <a:buFont typeface="+mj-lt"/>
+              <a:buAutoNum type="arabicPeriod"/>
+            </a:pPr>
+            <a:r>
+              <a:rPr lang="en-US" dirty="0" smtClean="0"/>
+              <a:t>Assumes linear relationships</a:t>
+            </a:r>
+          </a:p>
+          <a:p>
+            <a:pPr marL="457200" indent="-457200">
+              <a:buFont typeface="+mj-lt"/>
+              <a:buAutoNum type="arabicPeriod"/>
+            </a:pPr>
+            <a:r>
+              <a:rPr lang="en-US" dirty="0" smtClean="0"/>
+              <a:t>Doesn’t handle </a:t>
+            </a:r>
+            <a:r>
+              <a:rPr lang="en-US" dirty="0" err="1" smtClean="0"/>
+              <a:t>collinearity</a:t>
+            </a:r>
+            <a:r>
+              <a:rPr lang="en-US" dirty="0" smtClean="0"/>
+              <a:t> well</a:t>
+            </a:r>
+          </a:p>
+          <a:p>
+            <a:endParaRPr lang="en-US" dirty="0" smtClean="0"/>
           </a:p>
         </p:txBody>
       </p:sp>
     </p:spTree>
     <p:extLst>
       <p:ext uri="{BB962C8B-B14F-4D97-AF65-F5344CB8AC3E}">
-        <p14:creationId xmlns:p14="http://schemas.microsoft.com/office/powerpoint/2010/main" val="3594871193"/>
+        <p14:creationId xmlns:p14="http://schemas.microsoft.com/office/powerpoint/2010/main" val="1640785968"/>
       </p:ext>
     </p:extLst>
   </p:cSld>
